--- a/_site/translations/en-us/advanced/ProportionalControl.pptx
+++ b/_site/translations/en-us/advanced/ProportionalControl.pptx
@@ -5,10 +5,10 @@
     <p:sldMasterId id="2147483835" r:id="rId1"/>
   </p:sldMasterIdLst>
   <p:notesMasterIdLst>
-    <p:notesMasterId r:id="rId15"/>
+    <p:notesMasterId r:id="rId13"/>
   </p:notesMasterIdLst>
   <p:handoutMasterIdLst>
-    <p:handoutMasterId r:id="rId16"/>
+    <p:handoutMasterId r:id="rId14"/>
   </p:handoutMasterIdLst>
   <p:sldIdLst>
     <p:sldId id="288" r:id="rId2"/>
@@ -19,11 +19,9 @@
     <p:sldId id="286" r:id="rId7"/>
     <p:sldId id="287" r:id="rId8"/>
     <p:sldId id="277" r:id="rId9"/>
-    <p:sldId id="278" r:id="rId10"/>
-    <p:sldId id="279" r:id="rId11"/>
-    <p:sldId id="280" r:id="rId12"/>
-    <p:sldId id="284" r:id="rId13"/>
-    <p:sldId id="274" r:id="rId14"/>
+    <p:sldId id="279" r:id="rId10"/>
+    <p:sldId id="284" r:id="rId11"/>
+    <p:sldId id="274" r:id="rId12"/>
   </p:sldIdLst>
   <p:sldSz cx="9144000" cy="6858000" type="screen4x3"/>
   <p:notesSz cx="6858000" cy="9144000"/>
@@ -223,7 +221,7 @@
           <a:p>
             <a:fld id="{E354B44E-40A3-0E46-B16A-9BF1250A248B}" type="datetimeFigureOut">
               <a:rPr lang="en-US" smtClean="0"/>
-              <a:t>12/19/15</a:t>
+              <a:t>2/10/17</a:t>
             </a:fld>
             <a:endParaRPr lang="en-US"/>
           </a:p>
@@ -389,7 +387,7 @@
           <a:p>
             <a:fld id="{C86AD16C-2DB4-6642-BAD4-9ED973A087A0}" type="datetimeFigureOut">
               <a:rPr lang="en-US" smtClean="0"/>
-              <a:t>12/19/15</a:t>
+              <a:t>2/10/17</a:t>
             </a:fld>
             <a:endParaRPr lang="en-US"/>
           </a:p>
@@ -807,7 +805,91 @@
           <a:p>
             <a:fld id="{1E5BF589-3978-3C45-966B-D7B7A71F2A02}" type="slidenum">
               <a:rPr lang="en-US" smtClean="0"/>
-              <a:t>13</a:t>
+              <a:t>10</a:t>
+            </a:fld>
+            <a:endParaRPr lang="en-US"/>
+          </a:p>
+        </p:txBody>
+      </p:sp>
+    </p:spTree>
+    <p:extLst>
+      <p:ext uri="{BB962C8B-B14F-4D97-AF65-F5344CB8AC3E}">
+        <p14:creationId xmlns:p14="http://schemas.microsoft.com/office/powerpoint/2010/main" val="1359086258"/>
+      </p:ext>
+    </p:extLst>
+  </p:cSld>
+  <p:clrMapOvr>
+    <a:masterClrMapping/>
+  </p:clrMapOvr>
+</p:notes>
+</file>
+
+<file path=ppt/notesSlides/notesSlide3.xml><?xml version="1.0" encoding="utf-8"?>
+<p:notes xmlns:a="http://schemas.openxmlformats.org/drawingml/2006/main" xmlns:r="http://schemas.openxmlformats.org/officeDocument/2006/relationships" xmlns:p="http://schemas.openxmlformats.org/presentationml/2006/main">
+  <p:cSld>
+    <p:spTree>
+      <p:nvGrpSpPr>
+        <p:cNvPr id="1" name=""/>
+        <p:cNvGrpSpPr/>
+        <p:nvPr/>
+      </p:nvGrpSpPr>
+      <p:grpSpPr>
+        <a:xfrm>
+          <a:off x="0" y="0"/>
+          <a:ext cx="0" cy="0"/>
+          <a:chOff x="0" y="0"/>
+          <a:chExt cx="0" cy="0"/>
+        </a:xfrm>
+      </p:grpSpPr>
+      <p:sp>
+        <p:nvSpPr>
+          <p:cNvPr id="2" name="Slide Image Placeholder 1"/>
+          <p:cNvSpPr>
+            <a:spLocks noGrp="1" noRot="1" noChangeAspect="1"/>
+          </p:cNvSpPr>
+          <p:nvPr>
+            <p:ph type="sldImg"/>
+          </p:nvPr>
+        </p:nvSpPr>
+        <p:spPr/>
+      </p:sp>
+      <p:sp>
+        <p:nvSpPr>
+          <p:cNvPr id="3" name="Notes Placeholder 2"/>
+          <p:cNvSpPr>
+            <a:spLocks noGrp="1"/>
+          </p:cNvSpPr>
+          <p:nvPr>
+            <p:ph type="body" idx="1"/>
+          </p:nvPr>
+        </p:nvSpPr>
+        <p:spPr/>
+        <p:txBody>
+          <a:bodyPr/>
+          <a:lstStyle/>
+          <a:p>
+            <a:endParaRPr lang="en-US"/>
+          </a:p>
+        </p:txBody>
+      </p:sp>
+      <p:sp>
+        <p:nvSpPr>
+          <p:cNvPr id="4" name="Slide Number Placeholder 3"/>
+          <p:cNvSpPr>
+            <a:spLocks noGrp="1"/>
+          </p:cNvSpPr>
+          <p:nvPr>
+            <p:ph type="sldNum" sz="quarter" idx="10"/>
+          </p:nvPr>
+        </p:nvSpPr>
+        <p:spPr/>
+        <p:txBody>
+          <a:bodyPr/>
+          <a:lstStyle/>
+          <a:p>
+            <a:fld id="{1E5BF589-3978-3C45-966B-D7B7A71F2A02}" type="slidenum">
+              <a:rPr lang="en-US" smtClean="0"/>
+              <a:t>11</a:t>
             </a:fld>
             <a:endParaRPr lang="en-US"/>
           </a:p>
@@ -858,9 +940,9 @@
           <a:bodyPr/>
           <a:lstStyle/>
           <a:p>
-            <a:fld id="{08086397-A9E9-BD4B-B7A7-9DCAC65D98EF}" type="datetime1">
-              <a:rPr lang="en-US" smtClean="0"/>
-              <a:t>12/19/15</a:t>
+            <a:fld id="{E734BC7A-60A5-B249-9F35-66A7454EA9AB}" type="datetime1">
+              <a:rPr lang="en-US" smtClean="0"/>
+              <a:t>2/10/17</a:t>
             </a:fld>
             <a:endParaRPr lang="en-US"/>
           </a:p>
@@ -883,7 +965,7 @@
           <a:p>
             <a:r>
               <a:rPr lang="sk-SK" smtClean="0"/>
-              <a:t>© 2015 EV3Lessons.com, Last edit 12/19/2015</a:t>
+              <a:t>© 2015 EV3Lessons.com, Last edit 02/10/2017</a:t>
             </a:r>
             <a:endParaRPr lang="en-US"/>
           </a:p>
@@ -1455,288 +1537,6 @@
           </a:fontRef>
         </p:style>
       </p:cxnSp>
-      <p:pic>
-        <p:nvPicPr>
-          <p:cNvPr id="12" name="Picture 11"/>
-          <p:cNvPicPr>
-            <a:picLocks noChangeAspect="1"/>
-          </p:cNvPicPr>
-          <p:nvPr/>
-        </p:nvPicPr>
-        <p:blipFill>
-          <a:blip r:embed="rId3">
-            <a:extLst>
-              <a:ext uri="{28A0092B-C50C-407E-A947-70E740481C1C}">
-                <a14:useLocalDpi xmlns:a14="http://schemas.microsoft.com/office/drawing/2010/main" val="0"/>
-              </a:ext>
-            </a:extLst>
-          </a:blip>
-          <a:stretch>
-            <a:fillRect/>
-          </a:stretch>
-        </p:blipFill>
-        <p:spPr>
-          <a:xfrm>
-            <a:off x="284163" y="4948514"/>
-            <a:ext cx="1265237" cy="1210410"/>
-          </a:xfrm>
-          <a:prstGeom prst="rect">
-            <a:avLst/>
-          </a:prstGeom>
-        </p:spPr>
-      </p:pic>
-      <p:sp>
-        <p:nvSpPr>
-          <p:cNvPr id="18" name="Subtitle 3"/>
-          <p:cNvSpPr txBox="1">
-            <a:spLocks/>
-          </p:cNvSpPr>
-          <p:nvPr/>
-        </p:nvSpPr>
-        <p:spPr>
-          <a:xfrm>
-            <a:off x="1549400" y="5829838"/>
-            <a:ext cx="3749229" cy="484094"/>
-          </a:xfrm>
-          <a:prstGeom prst="rect">
-            <a:avLst/>
-          </a:prstGeom>
-        </p:spPr>
-        <p:txBody>
-          <a:bodyPr vert="horz" lIns="91440" tIns="45720" rIns="91440" bIns="45720" rtlCol="0">
-            <a:normAutofit/>
-          </a:bodyPr>
-          <a:lstStyle>
-            <a:lvl1pPr marL="0" indent="0" algn="l" defTabSz="914400" rtl="0" eaLnBrk="1" latinLnBrk="0" hangingPunct="1">
-              <a:lnSpc>
-                <a:spcPct val="100000"/>
-              </a:lnSpc>
-              <a:spcBef>
-                <a:spcPts val="0"/>
-              </a:spcBef>
-              <a:buClr>
-                <a:schemeClr val="bg1">
-                  <a:lumMod val="65000"/>
-                </a:schemeClr>
-              </a:buClr>
-              <a:buSzPct val="90000"/>
-              <a:buFont typeface="Wingdings" pitchFamily="2" charset="2"/>
-              <a:buNone/>
-              <a:defRPr sz="1800" kern="1200">
-                <a:solidFill>
-                  <a:schemeClr val="bg1"/>
-                </a:solidFill>
-                <a:latin typeface="+mn-lt"/>
-                <a:ea typeface="+mn-ea"/>
-                <a:cs typeface="+mn-cs"/>
-              </a:defRPr>
-            </a:lvl1pPr>
-            <a:lvl2pPr marL="457200" indent="0" algn="ctr" defTabSz="914400" rtl="0" eaLnBrk="1" latinLnBrk="0" hangingPunct="1">
-              <a:spcBef>
-                <a:spcPts val="600"/>
-              </a:spcBef>
-              <a:buClr>
-                <a:schemeClr val="tx1">
-                  <a:lumMod val="75000"/>
-                  <a:lumOff val="25000"/>
-                </a:schemeClr>
-              </a:buClr>
-              <a:buSzPct val="90000"/>
-              <a:buFont typeface="Wingdings" pitchFamily="2" charset="2"/>
-              <a:buNone/>
-              <a:defRPr sz="2200" kern="1200">
-                <a:solidFill>
-                  <a:schemeClr val="tx1">
-                    <a:tint val="75000"/>
-                  </a:schemeClr>
-                </a:solidFill>
-                <a:latin typeface="+mn-lt"/>
-                <a:ea typeface="+mn-ea"/>
-                <a:cs typeface="+mn-cs"/>
-              </a:defRPr>
-            </a:lvl2pPr>
-            <a:lvl3pPr marL="914400" indent="0" algn="ctr" defTabSz="914400" rtl="0" eaLnBrk="1" latinLnBrk="0" hangingPunct="1">
-              <a:spcBef>
-                <a:spcPts val="600"/>
-              </a:spcBef>
-              <a:buClr>
-                <a:schemeClr val="bg1">
-                  <a:lumMod val="65000"/>
-                </a:schemeClr>
-              </a:buClr>
-              <a:buSzPct val="90000"/>
-              <a:buFont typeface="Wingdings" pitchFamily="2" charset="2"/>
-              <a:buNone/>
-              <a:defRPr sz="2000" kern="1200">
-                <a:solidFill>
-                  <a:schemeClr val="tx1">
-                    <a:tint val="75000"/>
-                  </a:schemeClr>
-                </a:solidFill>
-                <a:latin typeface="+mn-lt"/>
-                <a:ea typeface="+mn-ea"/>
-                <a:cs typeface="+mn-cs"/>
-              </a:defRPr>
-            </a:lvl3pPr>
-            <a:lvl4pPr marL="1371600" indent="0" algn="ctr" defTabSz="914400" rtl="0" eaLnBrk="1" latinLnBrk="0" hangingPunct="1">
-              <a:spcBef>
-                <a:spcPts val="600"/>
-              </a:spcBef>
-              <a:buClr>
-                <a:schemeClr val="tx1">
-                  <a:lumMod val="75000"/>
-                  <a:lumOff val="25000"/>
-                </a:schemeClr>
-              </a:buClr>
-              <a:buSzPct val="90000"/>
-              <a:buFont typeface="Wingdings" pitchFamily="2" charset="2"/>
-              <a:buNone/>
-              <a:defRPr sz="1800" kern="1200">
-                <a:solidFill>
-                  <a:schemeClr val="tx1">
-                    <a:tint val="75000"/>
-                  </a:schemeClr>
-                </a:solidFill>
-                <a:latin typeface="+mn-lt"/>
-                <a:ea typeface="+mn-ea"/>
-                <a:cs typeface="+mn-cs"/>
-              </a:defRPr>
-            </a:lvl4pPr>
-            <a:lvl5pPr marL="1828800" indent="0" algn="ctr" defTabSz="914400" rtl="0" eaLnBrk="1" latinLnBrk="0" hangingPunct="1">
-              <a:spcBef>
-                <a:spcPts val="600"/>
-              </a:spcBef>
-              <a:buClr>
-                <a:schemeClr val="bg1">
-                  <a:lumMod val="65000"/>
-                </a:schemeClr>
-              </a:buClr>
-              <a:buSzPct val="90000"/>
-              <a:buFont typeface="Wingdings" pitchFamily="2" charset="2"/>
-              <a:buNone/>
-              <a:defRPr sz="1800" kern="1200">
-                <a:solidFill>
-                  <a:schemeClr val="tx1">
-                    <a:tint val="75000"/>
-                  </a:schemeClr>
-                </a:solidFill>
-                <a:latin typeface="+mn-lt"/>
-                <a:ea typeface="+mn-ea"/>
-                <a:cs typeface="+mn-cs"/>
-              </a:defRPr>
-            </a:lvl5pPr>
-            <a:lvl6pPr marL="2286000" indent="0" algn="ctr" defTabSz="914400" rtl="0" eaLnBrk="1" latinLnBrk="0" hangingPunct="1">
-              <a:spcBef>
-                <a:spcPts val="600"/>
-              </a:spcBef>
-              <a:buClr>
-                <a:schemeClr val="tx1">
-                  <a:lumMod val="75000"/>
-                  <a:lumOff val="25000"/>
-                </a:schemeClr>
-              </a:buClr>
-              <a:buSzPct val="90000"/>
-              <a:buFont typeface="Wingdings" pitchFamily="2" charset="2"/>
-              <a:buNone/>
-              <a:defRPr lang="en-US" sz="1800" kern="1200">
-                <a:solidFill>
-                  <a:schemeClr val="tx1">
-                    <a:tint val="75000"/>
-                  </a:schemeClr>
-                </a:solidFill>
-                <a:latin typeface="+mn-lt"/>
-                <a:ea typeface="+mn-ea"/>
-                <a:cs typeface="+mn-cs"/>
-              </a:defRPr>
-            </a:lvl6pPr>
-            <a:lvl7pPr marL="2743200" indent="0" algn="ctr" defTabSz="914400" rtl="0" eaLnBrk="1" latinLnBrk="0" hangingPunct="1">
-              <a:spcBef>
-                <a:spcPts val="600"/>
-              </a:spcBef>
-              <a:buClr>
-                <a:schemeClr val="bg1">
-                  <a:lumMod val="65000"/>
-                </a:schemeClr>
-              </a:buClr>
-              <a:buSzPct val="90000"/>
-              <a:buFont typeface="Wingdings" pitchFamily="2" charset="2"/>
-              <a:buNone/>
-              <a:defRPr lang="en-US" sz="1800" kern="1200">
-                <a:solidFill>
-                  <a:schemeClr val="tx1">
-                    <a:tint val="75000"/>
-                  </a:schemeClr>
-                </a:solidFill>
-                <a:latin typeface="+mn-lt"/>
-                <a:ea typeface="+mn-ea"/>
-                <a:cs typeface="+mn-cs"/>
-              </a:defRPr>
-            </a:lvl7pPr>
-            <a:lvl8pPr marL="3200400" indent="0" algn="ctr" defTabSz="914400" rtl="0" eaLnBrk="1" latinLnBrk="0" hangingPunct="1">
-              <a:spcBef>
-                <a:spcPts val="600"/>
-              </a:spcBef>
-              <a:buClr>
-                <a:schemeClr val="tx1">
-                  <a:lumMod val="75000"/>
-                  <a:lumOff val="25000"/>
-                </a:schemeClr>
-              </a:buClr>
-              <a:buSzPct val="90000"/>
-              <a:buFont typeface="Wingdings" pitchFamily="2" charset="2"/>
-              <a:buNone/>
-              <a:defRPr lang="en-US" sz="1800" kern="1200">
-                <a:solidFill>
-                  <a:schemeClr val="tx1">
-                    <a:tint val="75000"/>
-                  </a:schemeClr>
-                </a:solidFill>
-                <a:latin typeface="+mn-lt"/>
-                <a:ea typeface="+mn-ea"/>
-                <a:cs typeface="+mn-cs"/>
-              </a:defRPr>
-            </a:lvl8pPr>
-            <a:lvl9pPr marL="3657600" indent="0" algn="ctr" defTabSz="914400" rtl="0" eaLnBrk="1" latinLnBrk="0" hangingPunct="1">
-              <a:spcBef>
-                <a:spcPts val="600"/>
-              </a:spcBef>
-              <a:buClr>
-                <a:schemeClr val="bg1">
-                  <a:lumMod val="65000"/>
-                </a:schemeClr>
-              </a:buClr>
-              <a:buSzPct val="90000"/>
-              <a:buFont typeface="Wingdings" pitchFamily="2" charset="2"/>
-              <a:buNone/>
-              <a:defRPr lang="en-US" sz="1800" kern="1200">
-                <a:solidFill>
-                  <a:schemeClr val="tx1">
-                    <a:tint val="75000"/>
-                  </a:schemeClr>
-                </a:solidFill>
-                <a:latin typeface="+mn-lt"/>
-                <a:ea typeface="+mn-ea"/>
-                <a:cs typeface="+mn-cs"/>
-              </a:defRPr>
-            </a:lvl9pPr>
-          </a:lstStyle>
-          <a:p>
-            <a:r>
-              <a:rPr lang="en-US" dirty="0" smtClean="0">
-                <a:solidFill>
-                  <a:schemeClr val="tx1"/>
-                </a:solidFill>
-              </a:rPr>
-              <a:t>By Droids Robotics</a:t>
-            </a:r>
-            <a:endParaRPr lang="en-US" dirty="0">
-              <a:solidFill>
-                <a:schemeClr val="tx1"/>
-              </a:solidFill>
-            </a:endParaRPr>
-          </a:p>
-        </p:txBody>
-      </p:sp>
     </p:spTree>
     <p:extLst>
       <p:ext uri="{BB962C8B-B14F-4D97-AF65-F5344CB8AC3E}">
@@ -1845,9 +1645,9 @@
           <a:bodyPr/>
           <a:lstStyle/>
           <a:p>
-            <a:fld id="{7FE54D88-A811-8142-9DD0-4CF52E9D39CA}" type="datetime1">
-              <a:rPr lang="en-US" smtClean="0"/>
-              <a:t>12/19/15</a:t>
+            <a:fld id="{2EFEA3B9-23B4-C44E-8C14-9240ECCCD182}" type="datetime1">
+              <a:rPr lang="en-US" smtClean="0"/>
+              <a:t>2/10/17</a:t>
             </a:fld>
             <a:endParaRPr lang="en-US"/>
           </a:p>
@@ -1870,7 +1670,7 @@
           <a:p>
             <a:r>
               <a:rPr lang="sk-SK" smtClean="0"/>
-              <a:t>© 2015 EV3Lessons.com, Last edit 12/19/2015</a:t>
+              <a:t>© 2015 EV3Lessons.com, Last edit 02/10/2017</a:t>
             </a:r>
             <a:endParaRPr lang="en-US"/>
           </a:p>
@@ -2308,9 +2108,9 @@
           <a:bodyPr/>
           <a:lstStyle/>
           <a:p>
-            <a:fld id="{7DF44077-35E6-3545-A695-0D436F6BD4E5}" type="datetime1">
-              <a:rPr lang="en-US" smtClean="0"/>
-              <a:t>12/19/15</a:t>
+            <a:fld id="{30E3D830-DD6A-E54C-9FE6-DB52CECFF395}" type="datetime1">
+              <a:rPr lang="en-US" smtClean="0"/>
+              <a:t>2/10/17</a:t>
             </a:fld>
             <a:endParaRPr lang="en-US" dirty="0"/>
           </a:p>
@@ -2333,7 +2133,7 @@
           <a:p>
             <a:r>
               <a:rPr lang="sk-SK" smtClean="0"/>
-              <a:t>© 2015 EV3Lessons.com, Last edit 12/19/2015</a:t>
+              <a:t>© 2015 EV3Lessons.com, Last edit 02/10/2017</a:t>
             </a:r>
             <a:endParaRPr lang="en-US" dirty="0"/>
           </a:p>
@@ -2772,9 +2572,9 @@
           <a:bodyPr/>
           <a:lstStyle/>
           <a:p>
-            <a:fld id="{A0BEA2A5-4383-584A-92A5-96F0549DF6BC}" type="datetime1">
-              <a:rPr lang="en-US" smtClean="0"/>
-              <a:t>12/19/15</a:t>
+            <a:fld id="{81135A97-35CA-2047-AA72-5F0564ADF139}" type="datetime1">
+              <a:rPr lang="en-US" smtClean="0"/>
+              <a:t>2/10/17</a:t>
             </a:fld>
             <a:endParaRPr lang="en-US"/>
           </a:p>
@@ -3497,9 +3297,9 @@
           <a:bodyPr/>
           <a:lstStyle/>
           <a:p>
-            <a:fld id="{55002531-09EA-0041-A490-59D36F97EA00}" type="datetime1">
-              <a:rPr lang="en-US" smtClean="0"/>
-              <a:t>12/19/15</a:t>
+            <a:fld id="{4E81F707-8F03-9C4E-B1C5-8640B212A4A3}" type="datetime1">
+              <a:rPr lang="en-US" smtClean="0"/>
+              <a:t>2/10/17</a:t>
             </a:fld>
             <a:endParaRPr lang="en-US"/>
           </a:p>
@@ -3522,7 +3322,7 @@
           <a:p>
             <a:r>
               <a:rPr lang="sk-SK" smtClean="0"/>
-              <a:t>© 2015 EV3Lessons.com, Last edit 12/19/2015</a:t>
+              <a:t>© 2015 EV3Lessons.com, Last edit 02/10/2017</a:t>
             </a:r>
             <a:endParaRPr lang="en-US"/>
           </a:p>
@@ -3779,9 +3579,9 @@
           <a:bodyPr/>
           <a:lstStyle/>
           <a:p>
-            <a:fld id="{F908A910-415D-F046-9E79-3238FC305A52}" type="datetime1">
-              <a:rPr lang="en-US" smtClean="0"/>
-              <a:t>12/19/15</a:t>
+            <a:fld id="{AAF9B9AF-21C2-0B49-A156-7D594D3E7E89}" type="datetime1">
+              <a:rPr lang="en-US" smtClean="0"/>
+              <a:t>2/10/17</a:t>
             </a:fld>
             <a:endParaRPr lang="en-US"/>
           </a:p>
@@ -3804,7 +3604,7 @@
           <a:p>
             <a:r>
               <a:rPr lang="sk-SK" smtClean="0"/>
-              <a:t>© 2015 EV3Lessons.com, Last edit 12/19/2015</a:t>
+              <a:t>© 2015 EV3Lessons.com, Last edit 02/10/2017</a:t>
             </a:r>
             <a:endParaRPr lang="en-US"/>
           </a:p>
@@ -4099,9 +3899,9 @@
           <a:bodyPr/>
           <a:lstStyle/>
           <a:p>
-            <a:fld id="{2ED3E93C-E03C-9E4F-B68D-7B99DBDB46AD}" type="datetime1">
-              <a:rPr lang="en-US" smtClean="0"/>
-              <a:t>12/19/15</a:t>
+            <a:fld id="{272CE162-903C-8444-93E3-347DF0B9BC4D}" type="datetime1">
+              <a:rPr lang="en-US" smtClean="0"/>
+              <a:t>2/10/17</a:t>
             </a:fld>
             <a:endParaRPr lang="en-US"/>
           </a:p>
@@ -4124,7 +3924,7 @@
           <a:p>
             <a:r>
               <a:rPr lang="sk-SK" smtClean="0"/>
-              <a:t>© 2015 EV3Lessons.com, Last edit 12/19/2015</a:t>
+              <a:t>© 2015 EV3Lessons.com, Last edit 02/10/2017</a:t>
             </a:r>
             <a:endParaRPr lang="en-US"/>
           </a:p>
@@ -4328,9 +4128,9 @@
           <a:bodyPr/>
           <a:lstStyle/>
           <a:p>
-            <a:fld id="{B7C4F740-AFA8-4C4A-9AB6-8D5387A3B063}" type="datetime1">
-              <a:rPr lang="en-US" smtClean="0"/>
-              <a:t>12/19/15</a:t>
+            <a:fld id="{A3EE1B71-CD76-4745-99C7-A0B62C9EF16B}" type="datetime1">
+              <a:rPr lang="en-US" smtClean="0"/>
+              <a:t>2/10/17</a:t>
             </a:fld>
             <a:endParaRPr lang="en-US"/>
           </a:p>
@@ -4353,7 +4153,7 @@
           <a:p>
             <a:r>
               <a:rPr lang="sk-SK" smtClean="0"/>
-              <a:t>© 2015 EV3Lessons.com, Last edit 12/19/2015</a:t>
+              <a:t>© 2015 EV3Lessons.com, Last edit 02/10/2017</a:t>
             </a:r>
             <a:endParaRPr lang="en-US"/>
           </a:p>
@@ -4615,9 +4415,9 @@
           <a:bodyPr/>
           <a:lstStyle/>
           <a:p>
-            <a:fld id="{FFE287EA-AE47-9B41-9AE7-DD72E46DEE60}" type="datetime1">
-              <a:rPr lang="en-US" smtClean="0"/>
-              <a:t>12/19/15</a:t>
+            <a:fld id="{031D6263-E92A-FF4E-9D8B-0FB1B6C66ED4}" type="datetime1">
+              <a:rPr lang="en-US" smtClean="0"/>
+              <a:t>2/10/17</a:t>
             </a:fld>
             <a:endParaRPr lang="en-US" dirty="0"/>
           </a:p>
@@ -4640,7 +4440,7 @@
           <a:p>
             <a:r>
               <a:rPr lang="sk-SK" smtClean="0"/>
-              <a:t>© 2015 EV3Lessons.com, Last edit 12/19/2015</a:t>
+              <a:t>© 2015 EV3Lessons.com, Last edit 02/10/2017</a:t>
             </a:r>
             <a:endParaRPr lang="en-US" dirty="0"/>
           </a:p>
@@ -4859,9 +4659,9 @@
             </a:lvl1pPr>
           </a:lstStyle>
           <a:p>
-            <a:fld id="{E9C86E43-3DFD-E649-8CEC-869234EECEA5}" type="datetime1">
-              <a:rPr lang="en-US" smtClean="0"/>
-              <a:t>12/19/15</a:t>
+            <a:fld id="{E3B7915A-D61E-5546-9C8E-12562E95E343}" type="datetime1">
+              <a:rPr lang="en-US" smtClean="0"/>
+              <a:t>2/10/17</a:t>
             </a:fld>
             <a:endParaRPr lang="en-US" dirty="0"/>
           </a:p>
@@ -4902,7 +4702,7 @@
           <a:p>
             <a:r>
               <a:rPr lang="sk-SK" smtClean="0"/>
-              <a:t>© 2015 EV3Lessons.com, Last edit 12/19/2015</a:t>
+              <a:t>© 2015 EV3Lessons.com, Last edit 02/10/2017</a:t>
             </a:r>
             <a:endParaRPr lang="en-US" dirty="0"/>
           </a:p>
@@ -5409,10 +5209,43 @@
           <a:bodyPr/>
           <a:lstStyle/>
           <a:p>
-            <a:endParaRPr lang="en-US"/>
-          </a:p>
-        </p:txBody>
-      </p:sp>
+            <a:r>
+              <a:rPr lang="en-US" dirty="0" smtClean="0"/>
+              <a:t>By Sanjay and Arvind Seshan</a:t>
+            </a:r>
+            <a:endParaRPr lang="en-US" dirty="0"/>
+          </a:p>
+        </p:txBody>
+      </p:sp>
+      <p:pic>
+        <p:nvPicPr>
+          <p:cNvPr id="4" name="Picture 3"/>
+          <p:cNvPicPr>
+            <a:picLocks noChangeAspect="1"/>
+          </p:cNvPicPr>
+          <p:nvPr/>
+        </p:nvPicPr>
+        <p:blipFill rotWithShape="1">
+          <a:blip r:embed="rId2">
+            <a:extLst>
+              <a:ext uri="{28A0092B-C50C-407E-A947-70E740481C1C}">
+                <a14:useLocalDpi xmlns:a14="http://schemas.microsoft.com/office/drawing/2010/main" val="0"/>
+              </a:ext>
+            </a:extLst>
+          </a:blip>
+          <a:srcRect l="4523" t="17619" r="3095" b="25000"/>
+          <a:stretch/>
+        </p:blipFill>
+        <p:spPr>
+          <a:xfrm>
+            <a:off x="3459013" y="4560129"/>
+            <a:ext cx="2225974" cy="1382629"/>
+          </a:xfrm>
+          <a:prstGeom prst="rect">
+            <a:avLst/>
+          </a:prstGeom>
+        </p:spPr>
+      </p:pic>
     </p:spTree>
     <p:extLst>
       <p:ext uri="{BB962C8B-B14F-4D97-AF65-F5344CB8AC3E}">
@@ -5445,7 +5278,7 @@
       </p:grpSpPr>
       <p:sp>
         <p:nvSpPr>
-          <p:cNvPr id="9" name="Content Placeholder 8"/>
+          <p:cNvPr id="3" name="Content Placeholder 2"/>
           <p:cNvSpPr>
             <a:spLocks noGrp="1"/>
           </p:cNvSpPr>
@@ -5453,23 +5286,116 @@
             <p:ph idx="1"/>
           </p:nvPr>
         </p:nvSpPr>
+        <p:spPr>
+          <a:xfrm>
+            <a:off x="508001" y="2133600"/>
+            <a:ext cx="8350250" cy="3992563"/>
+          </a:xfrm>
+        </p:spPr>
+        <p:txBody>
+          <a:bodyPr/>
+          <a:lstStyle/>
+          <a:p>
+            <a:pPr marL="457200" indent="-457200">
+              <a:buFont typeface="+mj-lt"/>
+              <a:buAutoNum type="arabicPeriod"/>
+            </a:pPr>
+            <a:r>
+              <a:rPr lang="en-US" dirty="0" smtClean="0">
+                <a:solidFill>
+                  <a:srgbClr val="FF0000"/>
+                </a:solidFill>
+              </a:rPr>
+              <a:t>What does proportional control mean?</a:t>
+            </a:r>
+            <a:br>
+              <a:rPr lang="en-US" dirty="0" smtClean="0">
+                <a:solidFill>
+                  <a:srgbClr val="FF0000"/>
+                </a:solidFill>
+              </a:rPr>
+            </a:br>
+            <a:r>
+              <a:rPr lang="en-US" dirty="0" smtClean="0"/>
+              <a:t>Ans. Moving </a:t>
+            </a:r>
+            <a:r>
+              <a:rPr lang="en-US" dirty="0"/>
+              <a:t>more or less based on how far the robot is from the target </a:t>
+            </a:r>
+            <a:r>
+              <a:rPr lang="en-US" dirty="0" smtClean="0"/>
+              <a:t>distance</a:t>
+            </a:r>
+          </a:p>
+          <a:p>
+            <a:pPr marL="457200" indent="-457200">
+              <a:buFont typeface="+mj-lt"/>
+              <a:buAutoNum type="arabicPeriod"/>
+            </a:pPr>
+            <a:r>
+              <a:rPr lang="en-US" dirty="0" smtClean="0">
+                <a:solidFill>
+                  <a:srgbClr val="FF0000"/>
+                </a:solidFill>
+              </a:rPr>
+              <a:t>What do all proportional control code have in common?</a:t>
+            </a:r>
+            <a:br>
+              <a:rPr lang="en-US" dirty="0" smtClean="0">
+                <a:solidFill>
+                  <a:srgbClr val="FF0000"/>
+                </a:solidFill>
+              </a:rPr>
+            </a:br>
+            <a:r>
+              <a:rPr lang="en-US" dirty="0" smtClean="0"/>
+              <a:t>Ans. Computing an error and making a correction</a:t>
+            </a:r>
+          </a:p>
+          <a:p>
+            <a:pPr marL="457200" indent="-457200">
+              <a:buFont typeface="+mj-lt"/>
+              <a:buAutoNum type="arabicPeriod"/>
+            </a:pPr>
+            <a:endParaRPr lang="en-US" dirty="0" smtClean="0"/>
+          </a:p>
+          <a:p>
+            <a:endParaRPr lang="en-US" dirty="0"/>
+          </a:p>
+        </p:txBody>
+      </p:sp>
+      <p:sp>
+        <p:nvSpPr>
+          <p:cNvPr id="4" name="Footer Placeholder 3"/>
+          <p:cNvSpPr>
+            <a:spLocks noGrp="1"/>
+          </p:cNvSpPr>
+          <p:nvPr>
+            <p:ph type="ftr" sz="quarter" idx="11"/>
+          </p:nvPr>
+        </p:nvSpPr>
         <p:spPr/>
         <p:txBody>
           <a:bodyPr/>
           <a:lstStyle/>
           <a:p>
+            <a:r>
+              <a:rPr lang="sk-SK" smtClean="0"/>
+              <a:t>© 2015 EV3Lessons.com, Last edit 02/10/2017</a:t>
+            </a:r>
             <a:endParaRPr lang="en-US"/>
           </a:p>
         </p:txBody>
       </p:sp>
       <p:sp>
         <p:nvSpPr>
-          <p:cNvPr id="4" name="Footer Placeholder 3"/>
-          <p:cNvSpPr>
-            <a:spLocks noGrp="1"/>
-          </p:cNvSpPr>
-          <p:nvPr>
-            <p:ph type="ftr" sz="quarter" idx="11"/>
+          <p:cNvPr id="5" name="Slide Number Placeholder 4"/>
+          <p:cNvSpPr>
+            <a:spLocks noGrp="1"/>
+          </p:cNvSpPr>
+          <p:nvPr>
+            <p:ph type="sldNum" sz="quarter" idx="12"/>
           </p:nvPr>
         </p:nvSpPr>
         <p:spPr/>
@@ -5477,32 +5403,8 @@
           <a:bodyPr/>
           <a:lstStyle/>
           <a:p>
-            <a:r>
-              <a:rPr lang="sk-SK" smtClean="0"/>
-              <a:t>© 2015 EV3Lessons.com, Last edit 12/19/2015</a:t>
-            </a:r>
-            <a:endParaRPr lang="en-US" dirty="0"/>
-          </a:p>
-        </p:txBody>
-      </p:sp>
-      <p:sp>
-        <p:nvSpPr>
-          <p:cNvPr id="3" name="Slide Number Placeholder 2"/>
-          <p:cNvSpPr>
-            <a:spLocks noGrp="1"/>
-          </p:cNvSpPr>
-          <p:nvPr>
-            <p:ph type="sldNum" sz="quarter" idx="12"/>
-          </p:nvPr>
-        </p:nvSpPr>
-        <p:spPr/>
-        <p:txBody>
-          <a:bodyPr/>
-          <a:lstStyle/>
-          <a:p>
             <a:fld id="{4382A7F7-08BF-4252-8141-63FB96055BBB}" type="slidenum">
               <a:rPr lang="en-US" smtClean="0"/>
-              <a:pPr/>
               <a:t>10</a:t>
             </a:fld>
             <a:endParaRPr lang="en-US"/>
@@ -5525,47 +5427,17 @@
           <a:lstStyle/>
           <a:p>
             <a:r>
-              <a:rPr lang="en-US" smtClean="0"/>
-              <a:t>Solution: Ultrasonic Dog Follower</a:t>
+              <a:rPr lang="en-US" dirty="0" smtClean="0"/>
+              <a:t>Discussion Guide</a:t>
             </a:r>
             <a:endParaRPr lang="en-US" dirty="0"/>
           </a:p>
         </p:txBody>
       </p:sp>
-      <p:pic>
-        <p:nvPicPr>
-          <p:cNvPr id="7" name="Picture 6" descr="Screen Shot 2014-10-18 at 2.43.03 PM.png"/>
-          <p:cNvPicPr>
-            <a:picLocks noChangeAspect="1"/>
-          </p:cNvPicPr>
-          <p:nvPr/>
-        </p:nvPicPr>
-        <p:blipFill>
-          <a:blip r:embed="rId2" cstate="email">
-            <a:extLst>
-              <a:ext uri="{28A0092B-C50C-407E-A947-70E740481C1C}">
-                <a14:useLocalDpi xmlns:a14="http://schemas.microsoft.com/office/drawing/2010/main" val="0"/>
-              </a:ext>
-            </a:extLst>
-          </a:blip>
-          <a:stretch>
-            <a:fillRect/>
-          </a:stretch>
-        </p:blipFill>
-        <p:spPr>
-          <a:xfrm>
-            <a:off x="853488" y="1921813"/>
-            <a:ext cx="6498403" cy="4515219"/>
-          </a:xfrm>
-          <a:prstGeom prst="rect">
-            <a:avLst/>
-          </a:prstGeom>
-        </p:spPr>
-      </p:pic>
     </p:spTree>
     <p:extLst>
       <p:ext uri="{BB962C8B-B14F-4D97-AF65-F5344CB8AC3E}">
-        <p14:creationId xmlns:p14="http://schemas.microsoft.com/office/powerpoint/2010/main" val="407979337"/>
+        <p14:creationId xmlns:p14="http://schemas.microsoft.com/office/powerpoint/2010/main" val="1547944288"/>
       </p:ext>
     </p:extLst>
   </p:cSld>
@@ -5594,7 +5466,7 @@
       </p:grpSpPr>
       <p:sp>
         <p:nvSpPr>
-          <p:cNvPr id="9" name="Content Placeholder 8"/>
+          <p:cNvPr id="3" name="Content Placeholder 2"/>
           <p:cNvSpPr>
             <a:spLocks noGrp="1"/>
           </p:cNvSpPr>
@@ -5607,36 +5479,69 @@
           <a:bodyPr/>
           <a:lstStyle/>
           <a:p>
+            <a:pPr lvl="1"/>
+            <a:r>
+              <a:rPr lang="en-US" dirty="0" smtClean="0"/>
+              <a:t>This tutorial was created by Sanjay </a:t>
+            </a:r>
+            <a:r>
+              <a:rPr lang="en-US" dirty="0" err="1" smtClean="0"/>
+              <a:t>Seshan</a:t>
+            </a:r>
+            <a:r>
+              <a:rPr lang="en-US" dirty="0" smtClean="0"/>
+              <a:t> and Arvind </a:t>
+            </a:r>
+            <a:r>
+              <a:rPr lang="en-US" err="1" smtClean="0"/>
+              <a:t>Seshan</a:t>
+            </a:r>
+            <a:r>
+              <a:rPr lang="en-US" smtClean="0"/>
+              <a:t> </a:t>
+            </a:r>
+            <a:endParaRPr lang="en-US" smtClean="0"/>
+          </a:p>
+          <a:p>
+            <a:pPr lvl="1"/>
+            <a:r>
+              <a:rPr lang="en-US" smtClean="0"/>
+              <a:t>More </a:t>
+            </a:r>
+            <a:r>
+              <a:rPr lang="en-US" dirty="0" smtClean="0"/>
+              <a:t>lessons at www.ev3lessons.com</a:t>
+            </a:r>
+            <a:endParaRPr lang="en-US" dirty="0"/>
+          </a:p>
+        </p:txBody>
+      </p:sp>
+      <p:sp>
+        <p:nvSpPr>
+          <p:cNvPr id="4" name="Footer Placeholder 3"/>
+          <p:cNvSpPr>
+            <a:spLocks noGrp="1"/>
+          </p:cNvSpPr>
+          <p:nvPr>
+            <p:ph type="ftr" sz="quarter" idx="11"/>
+          </p:nvPr>
+        </p:nvSpPr>
+        <p:spPr/>
+        <p:txBody>
+          <a:bodyPr/>
+          <a:lstStyle/>
+          <a:p>
+            <a:r>
+              <a:rPr lang="sk-SK" smtClean="0"/>
+              <a:t>© 2015 EV3Lessons.com, Last edit 02/10/2017</a:t>
+            </a:r>
             <a:endParaRPr lang="en-US"/>
           </a:p>
         </p:txBody>
       </p:sp>
       <p:sp>
         <p:nvSpPr>
-          <p:cNvPr id="4" name="Footer Placeholder 3"/>
-          <p:cNvSpPr>
-            <a:spLocks noGrp="1"/>
-          </p:cNvSpPr>
-          <p:nvPr>
-            <p:ph type="ftr" sz="quarter" idx="11"/>
-          </p:nvPr>
-        </p:nvSpPr>
-        <p:spPr/>
-        <p:txBody>
-          <a:bodyPr/>
-          <a:lstStyle/>
-          <a:p>
-            <a:r>
-              <a:rPr lang="sk-SK" smtClean="0"/>
-              <a:t>© 2015 EV3Lessons.com, Last edit 12/19/2015</a:t>
-            </a:r>
-            <a:endParaRPr lang="en-US" dirty="0"/>
-          </a:p>
-        </p:txBody>
-      </p:sp>
-      <p:sp>
-        <p:nvSpPr>
-          <p:cNvPr id="5" name="Slide Number Placeholder 4"/>
+          <p:cNvPr id="7" name="Slide Number Placeholder 6"/>
           <p:cNvSpPr>
             <a:spLocks noGrp="1"/>
           </p:cNvSpPr>
@@ -5653,385 +5558,6 @@
               <a:rPr lang="en-US" smtClean="0"/>
               <a:pPr/>
               <a:t>11</a:t>
-            </a:fld>
-            <a:endParaRPr lang="en-US"/>
-          </a:p>
-        </p:txBody>
-      </p:sp>
-      <p:sp>
-        <p:nvSpPr>
-          <p:cNvPr id="2" name="Title 1"/>
-          <p:cNvSpPr>
-            <a:spLocks noGrp="1"/>
-          </p:cNvSpPr>
-          <p:nvPr>
-            <p:ph type="title"/>
-          </p:nvPr>
-        </p:nvSpPr>
-        <p:spPr/>
-        <p:txBody>
-          <a:bodyPr/>
-          <a:lstStyle/>
-          <a:p>
-            <a:r>
-              <a:rPr lang="en-US" smtClean="0"/>
-              <a:t>Solution: Proportional Line Follower</a:t>
-            </a:r>
-            <a:endParaRPr lang="en-US" dirty="0"/>
-          </a:p>
-        </p:txBody>
-      </p:sp>
-      <p:pic>
-        <p:nvPicPr>
-          <p:cNvPr id="3" name="Picture 2" descr="Screen Shot 2014-10-18 at 1.09.13 PM.png"/>
-          <p:cNvPicPr>
-            <a:picLocks noChangeAspect="1"/>
-          </p:cNvPicPr>
-          <p:nvPr/>
-        </p:nvPicPr>
-        <p:blipFill>
-          <a:blip r:embed="rId2" cstate="email">
-            <a:extLst>
-              <a:ext uri="{28A0092B-C50C-407E-A947-70E740481C1C}">
-                <a14:useLocalDpi xmlns:a14="http://schemas.microsoft.com/office/drawing/2010/main" val="0"/>
-              </a:ext>
-            </a:extLst>
-          </a:blip>
-          <a:stretch>
-            <a:fillRect/>
-          </a:stretch>
-        </p:blipFill>
-        <p:spPr>
-          <a:xfrm>
-            <a:off x="279059" y="1847121"/>
-            <a:ext cx="8579191" cy="4341012"/>
-          </a:xfrm>
-          <a:prstGeom prst="rect">
-            <a:avLst/>
-          </a:prstGeom>
-        </p:spPr>
-      </p:pic>
-    </p:spTree>
-    <p:extLst>
-      <p:ext uri="{BB962C8B-B14F-4D97-AF65-F5344CB8AC3E}">
-        <p14:creationId xmlns:p14="http://schemas.microsoft.com/office/powerpoint/2010/main" val="842480021"/>
-      </p:ext>
-    </p:extLst>
-  </p:cSld>
-  <p:clrMapOvr>
-    <a:masterClrMapping/>
-  </p:clrMapOvr>
-</p:sld>
-</file>
-
-<file path=ppt/slides/slide12.xml><?xml version="1.0" encoding="utf-8"?>
-<p:sld xmlns:a="http://schemas.openxmlformats.org/drawingml/2006/main" xmlns:r="http://schemas.openxmlformats.org/officeDocument/2006/relationships" xmlns:p="http://schemas.openxmlformats.org/presentationml/2006/main">
-  <p:cSld>
-    <p:spTree>
-      <p:nvGrpSpPr>
-        <p:cNvPr id="1" name=""/>
-        <p:cNvGrpSpPr/>
-        <p:nvPr/>
-      </p:nvGrpSpPr>
-      <p:grpSpPr>
-        <a:xfrm>
-          <a:off x="0" y="0"/>
-          <a:ext cx="0" cy="0"/>
-          <a:chOff x="0" y="0"/>
-          <a:chExt cx="0" cy="0"/>
-        </a:xfrm>
-      </p:grpSpPr>
-      <p:sp>
-        <p:nvSpPr>
-          <p:cNvPr id="3" name="Content Placeholder 2"/>
-          <p:cNvSpPr>
-            <a:spLocks noGrp="1"/>
-          </p:cNvSpPr>
-          <p:nvPr>
-            <p:ph idx="1"/>
-          </p:nvPr>
-        </p:nvSpPr>
-        <p:spPr>
-          <a:xfrm>
-            <a:off x="508001" y="2133600"/>
-            <a:ext cx="8350250" cy="3992563"/>
-          </a:xfrm>
-        </p:spPr>
-        <p:txBody>
-          <a:bodyPr/>
-          <a:lstStyle/>
-          <a:p>
-            <a:pPr marL="457200" indent="-457200">
-              <a:buFont typeface="+mj-lt"/>
-              <a:buAutoNum type="arabicPeriod"/>
-            </a:pPr>
-            <a:r>
-              <a:rPr lang="en-US" dirty="0" smtClean="0">
-                <a:solidFill>
-                  <a:srgbClr val="FF0000"/>
-                </a:solidFill>
-              </a:rPr>
-              <a:t>What does proportional control mean?</a:t>
-            </a:r>
-            <a:br>
-              <a:rPr lang="en-US" dirty="0" smtClean="0">
-                <a:solidFill>
-                  <a:srgbClr val="FF0000"/>
-                </a:solidFill>
-              </a:rPr>
-            </a:br>
-            <a:r>
-              <a:rPr lang="en-US" dirty="0" smtClean="0"/>
-              <a:t>Ans. Moving </a:t>
-            </a:r>
-            <a:r>
-              <a:rPr lang="en-US" dirty="0"/>
-              <a:t>more or less based on how far the robot is from the target </a:t>
-            </a:r>
-            <a:r>
-              <a:rPr lang="en-US" dirty="0" smtClean="0"/>
-              <a:t>distance</a:t>
-            </a:r>
-          </a:p>
-          <a:p>
-            <a:pPr marL="457200" indent="-457200">
-              <a:buFont typeface="+mj-lt"/>
-              <a:buAutoNum type="arabicPeriod"/>
-            </a:pPr>
-            <a:r>
-              <a:rPr lang="en-US" dirty="0" smtClean="0">
-                <a:solidFill>
-                  <a:srgbClr val="FF0000"/>
-                </a:solidFill>
-              </a:rPr>
-              <a:t>What do all proportional control code have in common?</a:t>
-            </a:r>
-            <a:br>
-              <a:rPr lang="en-US" dirty="0" smtClean="0">
-                <a:solidFill>
-                  <a:srgbClr val="FF0000"/>
-                </a:solidFill>
-              </a:rPr>
-            </a:br>
-            <a:r>
-              <a:rPr lang="en-US" dirty="0" smtClean="0"/>
-              <a:t>Ans. Computing an error and making a correction</a:t>
-            </a:r>
-          </a:p>
-          <a:p>
-            <a:pPr marL="457200" indent="-457200">
-              <a:buFont typeface="+mj-lt"/>
-              <a:buAutoNum type="arabicPeriod"/>
-            </a:pPr>
-            <a:endParaRPr lang="en-US" dirty="0" smtClean="0"/>
-          </a:p>
-          <a:p>
-            <a:endParaRPr lang="en-US" dirty="0"/>
-          </a:p>
-        </p:txBody>
-      </p:sp>
-      <p:sp>
-        <p:nvSpPr>
-          <p:cNvPr id="4" name="Footer Placeholder 3"/>
-          <p:cNvSpPr>
-            <a:spLocks noGrp="1"/>
-          </p:cNvSpPr>
-          <p:nvPr>
-            <p:ph type="ftr" sz="quarter" idx="11"/>
-          </p:nvPr>
-        </p:nvSpPr>
-        <p:spPr/>
-        <p:txBody>
-          <a:bodyPr/>
-          <a:lstStyle/>
-          <a:p>
-            <a:r>
-              <a:rPr lang="sk-SK" smtClean="0"/>
-              <a:t>© 2015 EV3Lessons.com, Last edit 12/19/2015</a:t>
-            </a:r>
-            <a:endParaRPr lang="en-US"/>
-          </a:p>
-        </p:txBody>
-      </p:sp>
-      <p:sp>
-        <p:nvSpPr>
-          <p:cNvPr id="5" name="Slide Number Placeholder 4"/>
-          <p:cNvSpPr>
-            <a:spLocks noGrp="1"/>
-          </p:cNvSpPr>
-          <p:nvPr>
-            <p:ph type="sldNum" sz="quarter" idx="12"/>
-          </p:nvPr>
-        </p:nvSpPr>
-        <p:spPr/>
-        <p:txBody>
-          <a:bodyPr/>
-          <a:lstStyle/>
-          <a:p>
-            <a:fld id="{4382A7F7-08BF-4252-8141-63FB96055BBB}" type="slidenum">
-              <a:rPr lang="en-US" smtClean="0"/>
-              <a:t>12</a:t>
-            </a:fld>
-            <a:endParaRPr lang="en-US"/>
-          </a:p>
-        </p:txBody>
-      </p:sp>
-      <p:sp>
-        <p:nvSpPr>
-          <p:cNvPr id="2" name="Title 1"/>
-          <p:cNvSpPr>
-            <a:spLocks noGrp="1"/>
-          </p:cNvSpPr>
-          <p:nvPr>
-            <p:ph type="title"/>
-          </p:nvPr>
-        </p:nvSpPr>
-        <p:spPr/>
-        <p:txBody>
-          <a:bodyPr/>
-          <a:lstStyle/>
-          <a:p>
-            <a:r>
-              <a:rPr lang="en-US" dirty="0" smtClean="0"/>
-              <a:t>Discussion Guide</a:t>
-            </a:r>
-            <a:endParaRPr lang="en-US" dirty="0"/>
-          </a:p>
-        </p:txBody>
-      </p:sp>
-    </p:spTree>
-    <p:extLst>
-      <p:ext uri="{BB962C8B-B14F-4D97-AF65-F5344CB8AC3E}">
-        <p14:creationId xmlns:p14="http://schemas.microsoft.com/office/powerpoint/2010/main" val="1547944288"/>
-      </p:ext>
-    </p:extLst>
-  </p:cSld>
-  <p:clrMapOvr>
-    <a:masterClrMapping/>
-  </p:clrMapOvr>
-</p:sld>
-</file>
-
-<file path=ppt/slides/slide13.xml><?xml version="1.0" encoding="utf-8"?>
-<p:sld xmlns:a="http://schemas.openxmlformats.org/drawingml/2006/main" xmlns:r="http://schemas.openxmlformats.org/officeDocument/2006/relationships" xmlns:p="http://schemas.openxmlformats.org/presentationml/2006/main">
-  <p:cSld>
-    <p:spTree>
-      <p:nvGrpSpPr>
-        <p:cNvPr id="1" name=""/>
-        <p:cNvGrpSpPr/>
-        <p:nvPr/>
-      </p:nvGrpSpPr>
-      <p:grpSpPr>
-        <a:xfrm>
-          <a:off x="0" y="0"/>
-          <a:ext cx="0" cy="0"/>
-          <a:chOff x="0" y="0"/>
-          <a:chExt cx="0" cy="0"/>
-        </a:xfrm>
-      </p:grpSpPr>
-      <p:sp>
-        <p:nvSpPr>
-          <p:cNvPr id="3" name="Content Placeholder 2"/>
-          <p:cNvSpPr>
-            <a:spLocks noGrp="1"/>
-          </p:cNvSpPr>
-          <p:nvPr>
-            <p:ph idx="1"/>
-          </p:nvPr>
-        </p:nvSpPr>
-        <p:spPr/>
-        <p:txBody>
-          <a:bodyPr/>
-          <a:lstStyle/>
-          <a:p>
-            <a:pPr lvl="1"/>
-            <a:r>
-              <a:rPr lang="en-US" dirty="0" smtClean="0"/>
-              <a:t>This tutorial was created by Sanjay </a:t>
-            </a:r>
-            <a:r>
-              <a:rPr lang="en-US" dirty="0" err="1" smtClean="0"/>
-              <a:t>Seshan</a:t>
-            </a:r>
-            <a:r>
-              <a:rPr lang="en-US" dirty="0" smtClean="0"/>
-              <a:t> and Arvind </a:t>
-            </a:r>
-            <a:r>
-              <a:rPr lang="en-US" dirty="0" err="1" smtClean="0"/>
-              <a:t>Seshan</a:t>
-            </a:r>
-            <a:r>
-              <a:rPr lang="en-US" dirty="0" smtClean="0"/>
-              <a:t> from Droids Robotics (</a:t>
-            </a:r>
-            <a:r>
-              <a:rPr lang="en-US" dirty="0" smtClean="0">
-                <a:hlinkClick r:id="rId3"/>
-              </a:rPr>
-              <a:t>team@droidsrobotics.org</a:t>
-            </a:r>
-            <a:r>
-              <a:rPr lang="en-US" dirty="0" smtClean="0"/>
-              <a:t>).</a:t>
-            </a:r>
-          </a:p>
-          <a:p>
-            <a:pPr lvl="1"/>
-            <a:r>
-              <a:rPr lang="en-US" smtClean="0"/>
-              <a:t>More </a:t>
-            </a:r>
-            <a:r>
-              <a:rPr lang="en-US" dirty="0" smtClean="0"/>
-              <a:t>lessons at www.ev3lessons.com</a:t>
-            </a:r>
-            <a:endParaRPr lang="en-US" dirty="0"/>
-          </a:p>
-        </p:txBody>
-      </p:sp>
-      <p:sp>
-        <p:nvSpPr>
-          <p:cNvPr id="4" name="Footer Placeholder 3"/>
-          <p:cNvSpPr>
-            <a:spLocks noGrp="1"/>
-          </p:cNvSpPr>
-          <p:nvPr>
-            <p:ph type="ftr" sz="quarter" idx="11"/>
-          </p:nvPr>
-        </p:nvSpPr>
-        <p:spPr/>
-        <p:txBody>
-          <a:bodyPr/>
-          <a:lstStyle/>
-          <a:p>
-            <a:r>
-              <a:rPr lang="sk-SK" smtClean="0"/>
-              <a:t>© 2015 EV3Lessons.com, Last edit 12/19/2015</a:t>
-            </a:r>
-            <a:endParaRPr lang="en-US"/>
-          </a:p>
-        </p:txBody>
-      </p:sp>
-      <p:sp>
-        <p:nvSpPr>
-          <p:cNvPr id="7" name="Slide Number Placeholder 6"/>
-          <p:cNvSpPr>
-            <a:spLocks noGrp="1"/>
-          </p:cNvSpPr>
-          <p:nvPr>
-            <p:ph type="sldNum" sz="quarter" idx="12"/>
-          </p:nvPr>
-        </p:nvSpPr>
-        <p:spPr/>
-        <p:txBody>
-          <a:bodyPr/>
-          <a:lstStyle/>
-          <a:p>
-            <a:fld id="{4382A7F7-08BF-4252-8141-63FB96055BBB}" type="slidenum">
-              <a:rPr lang="en-US" smtClean="0"/>
-              <a:pPr/>
-              <a:t>13</a:t>
             </a:fld>
             <a:endParaRPr lang="en-US"/>
           </a:p>
@@ -6316,7 +5842,7 @@
                 </a:solidFill>
                 <a:effectLst/>
                 <a:latin typeface="Helvetica Neue"/>
-                <a:hlinkClick r:id="rId4"/>
+                <a:hlinkClick r:id="rId3"/>
               </a:rPr>
               <a:t>Creative Commons Attribution-</a:t>
             </a:r>
@@ -6330,7 +5856,7 @@
                 </a:solidFill>
                 <a:effectLst/>
                 <a:latin typeface="Helvetica Neue"/>
-                <a:hlinkClick r:id="rId4"/>
+                <a:hlinkClick r:id="rId3"/>
               </a:rPr>
               <a:t>NonCommercial</a:t>
             </a:r>
@@ -6344,7 +5870,7 @@
                 </a:solidFill>
                 <a:effectLst/>
                 <a:latin typeface="Helvetica Neue"/>
-                <a:hlinkClick r:id="rId4"/>
+                <a:hlinkClick r:id="rId3"/>
               </a:rPr>
               <a:t>-</a:t>
             </a:r>
@@ -6358,7 +5884,7 @@
                 </a:solidFill>
                 <a:effectLst/>
                 <a:latin typeface="Helvetica Neue"/>
-                <a:hlinkClick r:id="rId4"/>
+                <a:hlinkClick r:id="rId3"/>
               </a:rPr>
               <a:t>ShareAlike</a:t>
             </a:r>
@@ -6372,7 +5898,7 @@
                 </a:solidFill>
                 <a:effectLst/>
                 <a:latin typeface="Helvetica Neue"/>
-                <a:hlinkClick r:id="rId4"/>
+                <a:hlinkClick r:id="rId3"/>
               </a:rPr>
               <a:t> 4.0 International License</a:t>
             </a:r>
@@ -6417,7 +5943,7 @@
       <p:pic>
         <p:nvPicPr>
           <p:cNvPr id="6" name="Picture 2" descr="Creative Commons License">
-            <a:hlinkClick r:id="rId4"/>
+            <a:hlinkClick r:id="rId3"/>
           </p:cNvPr>
           <p:cNvPicPr>
             <a:picLocks noChangeAspect="1" noChangeArrowheads="1"/>
@@ -6425,7 +5951,7 @@
           <p:nvPr/>
         </p:nvPicPr>
         <p:blipFill>
-          <a:blip r:embed="rId5">
+          <a:blip r:embed="rId4">
             <a:extLst>
               <a:ext uri="{28A0092B-C50C-407E-A947-70E740481C1C}">
                 <a14:useLocalDpi xmlns:a14="http://schemas.microsoft.com/office/drawing/2010/main" val="0"/>
@@ -6525,11 +6051,8 @@
           <a:p>
             <a:r>
               <a:rPr lang="en-US" dirty="0" smtClean="0"/>
-              <a:t>Learn to apply proportional control to the Color, and Ultrasonic Sensors</a:t>
-            </a:r>
-          </a:p>
-          <a:p>
-            <a:endParaRPr lang="en-US" dirty="0" smtClean="0"/>
+              <a:t>Learn to apply proportional control to different sensors</a:t>
+            </a:r>
           </a:p>
           <a:p>
             <a:r>
@@ -6557,7 +6080,7 @@
           <a:p>
             <a:r>
               <a:rPr lang="sk-SK" smtClean="0"/>
-              <a:t>© 2015 EV3Lessons.com, Last edit 12/19/2015</a:t>
+              <a:t>© 2015 EV3Lessons.com, Last edit 02/10/2017</a:t>
             </a:r>
             <a:endParaRPr lang="en-US"/>
           </a:p>
@@ -6710,7 +6233,7 @@
           <a:p>
             <a:r>
               <a:rPr lang="sk-SK" smtClean="0"/>
-              <a:t>© 2015 EV3Lessons.com, Last edit 12/19/2015</a:t>
+              <a:t>© 2015 EV3Lessons.com, Last edit 02/10/2017</a:t>
             </a:r>
             <a:endParaRPr lang="en-US"/>
           </a:p>
@@ -6949,7 +6472,7 @@
           <a:p>
             <a:r>
               <a:rPr lang="sk-SK" smtClean="0"/>
-              <a:t>© 2015 EV3Lessons.com, Last edit 12/19/2015</a:t>
+              <a:t>© 2015 EV3Lessons.com, Last edit 02/10/2017</a:t>
             </a:r>
             <a:endParaRPr lang="en-US"/>
           </a:p>
@@ -7097,7 +6620,7 @@
           <a:p>
             <a:r>
               <a:rPr lang="sk-SK" smtClean="0"/>
-              <a:t>© 2015 EV3Lessons.com, Last edit 12/19/2015</a:t>
+              <a:t>© 2015 EV3Lessons.com, Last edit 02/10/2017</a:t>
             </a:r>
             <a:endParaRPr lang="en-US"/>
           </a:p>
@@ -7726,7 +7249,7 @@
           <a:p>
             <a:r>
               <a:rPr lang="sk-SK" smtClean="0"/>
-              <a:t>© 2015 EV3Lessons.com, Last edit 12/19/2015</a:t>
+              <a:t>© 2015 EV3Lessons.com, Last edit 02/10/2017</a:t>
             </a:r>
             <a:endParaRPr lang="en-US" dirty="0"/>
           </a:p>
@@ -8427,7 +7950,7 @@
           <a:p>
             <a:r>
               <a:rPr lang="sk-SK" smtClean="0"/>
-              <a:t>© 2015 EV3Lessons.com, Last edit 12/19/2015</a:t>
+              <a:t>© 2015 EV3Lessons.com, Last edit 02/10/2017</a:t>
             </a:r>
             <a:endParaRPr lang="en-US"/>
           </a:p>
@@ -8526,21 +8049,19 @@
           <a:p>
             <a:r>
               <a:rPr lang="en-US" dirty="0" smtClean="0"/>
-              <a:t>To learn how to use proportional control, we give you three different Challenges:</a:t>
-            </a:r>
+              <a:t>To learn how to use proportional control, create a Dog </a:t>
+            </a:r>
+            <a:r>
+              <a:rPr lang="en-US" smtClean="0"/>
+              <a:t>Follower program</a:t>
+            </a:r>
+            <a:endParaRPr lang="en-US" dirty="0" smtClean="0"/>
           </a:p>
           <a:p>
             <a:pPr lvl="1"/>
             <a:r>
               <a:rPr lang="en-US" dirty="0" smtClean="0"/>
-              <a:t>Dog Follower: Use proportional control with the ultrasonic sensor to get the robot to stay 15cm away from the human at all times (even when the human moves)</a:t>
-            </a:r>
-          </a:p>
-          <a:p>
-            <a:pPr lvl="1"/>
-            <a:r>
-              <a:rPr lang="en-US" dirty="0" smtClean="0"/>
-              <a:t>Line Follower: Use proportional control with the light sensor to get the robot to follow a line smoothly. (Greater detail is in the Proportional Line Follower lesson)</a:t>
+              <a:t>Use proportional control with the ultrasonic sensor to get the robot to stay 15cm away from the human at all times (even when the human moves)</a:t>
             </a:r>
           </a:p>
         </p:txBody>
@@ -8562,7 +8083,7 @@
           <a:p>
             <a:r>
               <a:rPr lang="sk-SK" smtClean="0"/>
-              <a:t>© 2015 EV3Lessons.com, Last edit 12/19/2015</a:t>
+              <a:t>© 2015 EV3Lessons.com, Last edit 02/10/2017</a:t>
             </a:r>
             <a:endParaRPr lang="en-US"/>
           </a:p>
@@ -8608,108 +8129,8 @@
           <a:lstStyle/>
           <a:p>
             <a:r>
-              <a:rPr lang="en-US" smtClean="0"/>
-              <a:t>Challenges</a:t>
-            </a:r>
-            <a:endParaRPr lang="en-US" dirty="0"/>
-          </a:p>
-        </p:txBody>
-      </p:sp>
-    </p:spTree>
-    <p:extLst>
-      <p:ext uri="{BB962C8B-B14F-4D97-AF65-F5344CB8AC3E}">
-        <p14:creationId xmlns:p14="http://schemas.microsoft.com/office/powerpoint/2010/main" val="3803221312"/>
-      </p:ext>
-    </p:extLst>
-  </p:cSld>
-  <p:clrMapOvr>
-    <a:masterClrMapping/>
-  </p:clrMapOvr>
-</p:sld>
-</file>
-
-<file path=ppt/slides/slide9.xml><?xml version="1.0" encoding="utf-8"?>
-<p:sld xmlns:a="http://schemas.openxmlformats.org/drawingml/2006/main" xmlns:r="http://schemas.openxmlformats.org/officeDocument/2006/relationships" xmlns:p="http://schemas.openxmlformats.org/presentationml/2006/main">
-  <p:cSld>
-    <p:spTree>
-      <p:nvGrpSpPr>
-        <p:cNvPr id="1" name=""/>
-        <p:cNvGrpSpPr/>
-        <p:nvPr/>
-      </p:nvGrpSpPr>
-      <p:grpSpPr>
-        <a:xfrm>
-          <a:off x="0" y="0"/>
-          <a:ext cx="0" cy="0"/>
-          <a:chOff x="0" y="0"/>
-          <a:chExt cx="0" cy="0"/>
-        </a:xfrm>
-      </p:grpSpPr>
-      <p:sp>
-        <p:nvSpPr>
-          <p:cNvPr id="4" name="Footer Placeholder 3"/>
-          <p:cNvSpPr>
-            <a:spLocks noGrp="1"/>
-          </p:cNvSpPr>
-          <p:nvPr>
-            <p:ph type="ftr" sz="quarter" idx="11"/>
-          </p:nvPr>
-        </p:nvSpPr>
-        <p:spPr/>
-        <p:txBody>
-          <a:bodyPr/>
-          <a:lstStyle/>
-          <a:p>
-            <a:r>
-              <a:rPr lang="sk-SK" smtClean="0"/>
-              <a:t>© 2015 EV3Lessons.com, Last edit 12/19/2015</a:t>
-            </a:r>
-            <a:endParaRPr lang="en-US" dirty="0"/>
-          </a:p>
-        </p:txBody>
-      </p:sp>
-      <p:sp>
-        <p:nvSpPr>
-          <p:cNvPr id="3" name="Slide Number Placeholder 2"/>
-          <p:cNvSpPr>
-            <a:spLocks noGrp="1"/>
-          </p:cNvSpPr>
-          <p:nvPr>
-            <p:ph type="sldNum" sz="quarter" idx="12"/>
-          </p:nvPr>
-        </p:nvSpPr>
-        <p:spPr/>
-        <p:txBody>
-          <a:bodyPr/>
-          <a:lstStyle/>
-          <a:p>
-            <a:fld id="{4382A7F7-08BF-4252-8141-63FB96055BBB}" type="slidenum">
-              <a:rPr lang="en-US" smtClean="0"/>
-              <a:pPr/>
-              <a:t>9</a:t>
-            </a:fld>
-            <a:endParaRPr lang="en-US"/>
-          </a:p>
-        </p:txBody>
-      </p:sp>
-      <p:sp>
-        <p:nvSpPr>
-          <p:cNvPr id="2" name="Title 1"/>
-          <p:cNvSpPr>
-            <a:spLocks noGrp="1"/>
-          </p:cNvSpPr>
-          <p:nvPr>
-            <p:ph type="title"/>
-          </p:nvPr>
-        </p:nvSpPr>
-        <p:spPr/>
-        <p:txBody>
-          <a:bodyPr/>
-          <a:lstStyle/>
-          <a:p>
-            <a:r>
-              <a:rPr lang="en-US" smtClean="0"/>
-              <a:t>Pseudocode/Hints</a:t>
+              <a:rPr lang="en-US" dirty="0" smtClean="0"/>
+              <a:t>Challenge</a:t>
             </a:r>
             <a:endParaRPr lang="en-US" dirty="0"/>
           </a:p>
@@ -8717,21 +8138,21 @@
       </p:sp>
       <p:graphicFrame>
         <p:nvGraphicFramePr>
-          <p:cNvPr id="7" name="Table 6"/>
+          <p:cNvPr id="6" name="Table 5"/>
           <p:cNvGraphicFramePr>
             <a:graphicFrameLocks noGrp="1"/>
           </p:cNvGraphicFramePr>
           <p:nvPr>
             <p:extLst>
               <p:ext uri="{D42A27DB-BD31-4B8C-83A1-F6EECF244321}">
-                <p14:modId xmlns:p14="http://schemas.microsoft.com/office/powerpoint/2010/main" val="1129401368"/>
+                <p14:modId xmlns:p14="http://schemas.microsoft.com/office/powerpoint/2010/main" val="1908465604"/>
               </p:ext>
             </p:extLst>
           </p:nvPr>
         </p:nvGraphicFramePr>
         <p:xfrm>
-          <a:off x="602341" y="2087843"/>
-          <a:ext cx="7870372" cy="3022600"/>
+          <a:off x="636020" y="4145243"/>
+          <a:ext cx="7870372" cy="1559560"/>
         </p:xfrm>
         <a:graphic>
           <a:graphicData uri="http://schemas.openxmlformats.org/drawingml/2006/table">
@@ -9261,275 +8682,6 @@
                   </a:tcPr>
                 </a:tc>
               </a:tr>
-              <a:tr h="370840">
-                <a:tc>
-                  <a:txBody>
-                    <a:bodyPr/>
-                    <a:lstStyle/>
-                    <a:p>
-                      <a:r>
-                        <a:rPr lang="en-US" b="1" dirty="0" smtClean="0"/>
-                        <a:t>Line Follower</a:t>
-                      </a:r>
-                      <a:endParaRPr lang="en-US" b="1" dirty="0"/>
-                    </a:p>
-                  </a:txBody>
-                  <a:tcPr>
-                    <a:lnL w="12700" cap="flat" cmpd="sng" algn="ctr">
-                      <a:solidFill>
-                        <a:schemeClr val="tx1"/>
-                      </a:solidFill>
-                      <a:prstDash val="solid"/>
-                      <a:round/>
-                      <a:headEnd type="none" w="med" len="med"/>
-                      <a:tailEnd type="none" w="med" len="med"/>
-                    </a:lnL>
-                    <a:lnR w="12700" cap="flat" cmpd="sng" algn="ctr">
-                      <a:solidFill>
-                        <a:schemeClr val="tx1"/>
-                      </a:solidFill>
-                      <a:prstDash val="solid"/>
-                      <a:round/>
-                      <a:headEnd type="none" w="med" len="med"/>
-                      <a:tailEnd type="none" w="med" len="med"/>
-                    </a:lnR>
-                    <a:lnT w="12700" cap="flat" cmpd="sng" algn="ctr">
-                      <a:solidFill>
-                        <a:schemeClr val="tx1"/>
-                      </a:solidFill>
-                      <a:prstDash val="solid"/>
-                      <a:round/>
-                      <a:headEnd type="none" w="med" len="med"/>
-                      <a:tailEnd type="none" w="med" len="med"/>
-                    </a:lnT>
-                    <a:lnB w="12700" cap="flat" cmpd="sng" algn="ctr">
-                      <a:solidFill>
-                        <a:schemeClr val="tx1"/>
-                      </a:solidFill>
-                      <a:prstDash val="solid"/>
-                      <a:round/>
-                      <a:headEnd type="none" w="med" len="med"/>
-                      <a:tailEnd type="none" w="med" len="med"/>
-                    </a:lnB>
-                    <a:lnTlToBr w="12700" cmpd="sng">
-                      <a:noFill/>
-                      <a:prstDash val="solid"/>
-                    </a:lnTlToBr>
-                    <a:lnBlToTr w="12700" cmpd="sng">
-                      <a:noFill/>
-                      <a:prstDash val="solid"/>
-                    </a:lnBlToTr>
-                  </a:tcPr>
-                </a:tc>
-                <a:tc>
-                  <a:txBody>
-                    <a:bodyPr/>
-                    <a:lstStyle/>
-                    <a:p>
-                      <a:r>
-                        <a:rPr lang="en-US" dirty="0" smtClean="0"/>
-                        <a:t>Stay</a:t>
-                      </a:r>
-                      <a:r>
-                        <a:rPr lang="en-US" baseline="0" dirty="0" smtClean="0"/>
-                        <a:t> on the edge of the line</a:t>
-                      </a:r>
-                      <a:endParaRPr lang="en-US" dirty="0"/>
-                    </a:p>
-                  </a:txBody>
-                  <a:tcPr>
-                    <a:lnL w="12700" cap="flat" cmpd="sng" algn="ctr">
-                      <a:solidFill>
-                        <a:schemeClr val="tx1"/>
-                      </a:solidFill>
-                      <a:prstDash val="solid"/>
-                      <a:round/>
-                      <a:headEnd type="none" w="med" len="med"/>
-                      <a:tailEnd type="none" w="med" len="med"/>
-                    </a:lnL>
-                    <a:lnR w="12700" cap="flat" cmpd="sng" algn="ctr">
-                      <a:solidFill>
-                        <a:schemeClr val="tx1"/>
-                      </a:solidFill>
-                      <a:prstDash val="solid"/>
-                      <a:round/>
-                      <a:headEnd type="none" w="med" len="med"/>
-                      <a:tailEnd type="none" w="med" len="med"/>
-                    </a:lnR>
-                    <a:lnT w="12700" cap="flat" cmpd="sng" algn="ctr">
-                      <a:solidFill>
-                        <a:schemeClr val="tx1"/>
-                      </a:solidFill>
-                      <a:prstDash val="solid"/>
-                      <a:round/>
-                      <a:headEnd type="none" w="med" len="med"/>
-                      <a:tailEnd type="none" w="med" len="med"/>
-                    </a:lnT>
-                    <a:lnB w="12700" cap="flat" cmpd="sng" algn="ctr">
-                      <a:solidFill>
-                        <a:schemeClr val="tx1"/>
-                      </a:solidFill>
-                      <a:prstDash val="solid"/>
-                      <a:round/>
-                      <a:headEnd type="none" w="med" len="med"/>
-                      <a:tailEnd type="none" w="med" len="med"/>
-                    </a:lnB>
-                    <a:lnTlToBr w="12700" cmpd="sng">
-                      <a:noFill/>
-                      <a:prstDash val="solid"/>
-                    </a:lnTlToBr>
-                    <a:lnBlToTr w="12700" cmpd="sng">
-                      <a:noFill/>
-                      <a:prstDash val="solid"/>
-                    </a:lnBlToTr>
-                  </a:tcPr>
-                </a:tc>
-                <a:tc>
-                  <a:txBody>
-                    <a:bodyPr/>
-                    <a:lstStyle/>
-                    <a:p>
-                      <a:r>
-                        <a:rPr lang="en-US" dirty="0" smtClean="0"/>
-                        <a:t>How</a:t>
-                      </a:r>
-                      <a:r>
-                        <a:rPr lang="en-US" baseline="0" dirty="0" smtClean="0"/>
-                        <a:t> far are our light readings from those at line edge</a:t>
-                      </a:r>
-                      <a:br>
-                        <a:rPr lang="en-US" baseline="0" dirty="0" smtClean="0"/>
-                      </a:br>
-                      <a:r>
-                        <a:rPr lang="en-US" baseline="0" dirty="0" smtClean="0"/>
-                        <a:t>(</a:t>
-                      </a:r>
-                      <a:r>
-                        <a:rPr lang="en-US" baseline="0" dirty="0" err="1" smtClean="0"/>
-                        <a:t>current_light</a:t>
-                      </a:r>
-                      <a:r>
-                        <a:rPr lang="en-US" baseline="0" dirty="0" smtClean="0"/>
-                        <a:t> – </a:t>
-                      </a:r>
-                      <a:r>
-                        <a:rPr lang="en-US" baseline="0" dirty="0" err="1" smtClean="0"/>
-                        <a:t>target_light</a:t>
-                      </a:r>
-                      <a:r>
-                        <a:rPr lang="en-US" baseline="0" dirty="0" smtClean="0"/>
-                        <a:t>)</a:t>
-                      </a:r>
-                      <a:endParaRPr lang="en-US" dirty="0"/>
-                    </a:p>
-                  </a:txBody>
-                  <a:tcPr>
-                    <a:lnL w="12700" cap="flat" cmpd="sng" algn="ctr">
-                      <a:solidFill>
-                        <a:schemeClr val="tx1"/>
-                      </a:solidFill>
-                      <a:prstDash val="solid"/>
-                      <a:round/>
-                      <a:headEnd type="none" w="med" len="med"/>
-                      <a:tailEnd type="none" w="med" len="med"/>
-                    </a:lnL>
-                    <a:lnR w="12700" cap="flat" cmpd="sng" algn="ctr">
-                      <a:solidFill>
-                        <a:schemeClr val="tx1"/>
-                      </a:solidFill>
-                      <a:prstDash val="solid"/>
-                      <a:round/>
-                      <a:headEnd type="none" w="med" len="med"/>
-                      <a:tailEnd type="none" w="med" len="med"/>
-                    </a:lnR>
-                    <a:lnT w="12700" cap="flat" cmpd="sng" algn="ctr">
-                      <a:solidFill>
-                        <a:schemeClr val="tx1"/>
-                      </a:solidFill>
-                      <a:prstDash val="solid"/>
-                      <a:round/>
-                      <a:headEnd type="none" w="med" len="med"/>
-                      <a:tailEnd type="none" w="med" len="med"/>
-                    </a:lnT>
-                    <a:lnB w="12700" cap="flat" cmpd="sng" algn="ctr">
-                      <a:solidFill>
-                        <a:schemeClr val="tx1"/>
-                      </a:solidFill>
-                      <a:prstDash val="solid"/>
-                      <a:round/>
-                      <a:headEnd type="none" w="med" len="med"/>
-                      <a:tailEnd type="none" w="med" len="med"/>
-                    </a:lnB>
-                    <a:lnTlToBr w="12700" cmpd="sng">
-                      <a:noFill/>
-                      <a:prstDash val="solid"/>
-                    </a:lnTlToBr>
-                    <a:lnBlToTr w="12700" cmpd="sng">
-                      <a:noFill/>
-                      <a:prstDash val="solid"/>
-                    </a:lnBlToTr>
-                  </a:tcPr>
-                </a:tc>
-                <a:tc>
-                  <a:txBody>
-                    <a:bodyPr/>
-                    <a:lstStyle/>
-                    <a:p>
-                      <a:r>
-                        <a:rPr lang="en-US" dirty="0" smtClean="0"/>
-                        <a:t>Turn sharper based on distance from line</a:t>
-                      </a:r>
-                      <a:endParaRPr lang="en-US" dirty="0"/>
-                    </a:p>
-                  </a:txBody>
-                  <a:tcPr>
-                    <a:lnL w="12700" cap="flat" cmpd="sng" algn="ctr">
-                      <a:solidFill>
-                        <a:schemeClr val="tx1"/>
-                      </a:solidFill>
-                      <a:prstDash val="solid"/>
-                      <a:round/>
-                      <a:headEnd type="none" w="med" len="med"/>
-                      <a:tailEnd type="none" w="med" len="med"/>
-                    </a:lnL>
-                    <a:lnR w="12700" cap="flat" cmpd="sng" algn="ctr">
-                      <a:solidFill>
-                        <a:schemeClr val="tx1"/>
-                      </a:solidFill>
-                      <a:prstDash val="solid"/>
-                      <a:round/>
-                      <a:headEnd type="none" w="med" len="med"/>
-                      <a:tailEnd type="none" w="med" len="med"/>
-                    </a:lnR>
-                    <a:lnT w="12700" cap="flat" cmpd="sng" algn="ctr">
-                      <a:solidFill>
-                        <a:schemeClr val="tx1"/>
-                      </a:solidFill>
-                      <a:prstDash val="solid"/>
-                      <a:round/>
-                      <a:headEnd type="none" w="med" len="med"/>
-                      <a:tailEnd type="none" w="med" len="med"/>
-                    </a:lnT>
-                    <a:lnB w="12700" cap="flat" cmpd="sng" algn="ctr">
-                      <a:solidFill>
-                        <a:schemeClr val="tx1"/>
-                      </a:solidFill>
-                      <a:prstDash val="solid"/>
-                      <a:round/>
-                      <a:headEnd type="none" w="med" len="med"/>
-                      <a:tailEnd type="none" w="med" len="med"/>
-                    </a:lnB>
-                    <a:lnTlToBr w="12700" cmpd="sng">
-                      <a:noFill/>
-                      <a:prstDash val="solid"/>
-                    </a:lnTlToBr>
-                    <a:lnBlToTr w="12700" cmpd="sng">
-                      <a:noFill/>
-                      <a:prstDash val="solid"/>
-                    </a:lnBlToTr>
-                  </a:tcPr>
-                </a:tc>
-              </a:tr>
             </a:tbl>
           </a:graphicData>
         </a:graphic>
@@ -9537,7 +8689,156 @@
     </p:spTree>
     <p:extLst>
       <p:ext uri="{BB962C8B-B14F-4D97-AF65-F5344CB8AC3E}">
-        <p14:creationId xmlns:p14="http://schemas.microsoft.com/office/powerpoint/2010/main" val="2003391859"/>
+        <p14:creationId xmlns:p14="http://schemas.microsoft.com/office/powerpoint/2010/main" val="3803221312"/>
+      </p:ext>
+    </p:extLst>
+  </p:cSld>
+  <p:clrMapOvr>
+    <a:masterClrMapping/>
+  </p:clrMapOvr>
+</p:sld>
+</file>
+
+<file path=ppt/slides/slide9.xml><?xml version="1.0" encoding="utf-8"?>
+<p:sld xmlns:a="http://schemas.openxmlformats.org/drawingml/2006/main" xmlns:r="http://schemas.openxmlformats.org/officeDocument/2006/relationships" xmlns:p="http://schemas.openxmlformats.org/presentationml/2006/main">
+  <p:cSld>
+    <p:spTree>
+      <p:nvGrpSpPr>
+        <p:cNvPr id="1" name=""/>
+        <p:cNvGrpSpPr/>
+        <p:nvPr/>
+      </p:nvGrpSpPr>
+      <p:grpSpPr>
+        <a:xfrm>
+          <a:off x="0" y="0"/>
+          <a:ext cx="0" cy="0"/>
+          <a:chOff x="0" y="0"/>
+          <a:chExt cx="0" cy="0"/>
+        </a:xfrm>
+      </p:grpSpPr>
+      <p:sp>
+        <p:nvSpPr>
+          <p:cNvPr id="9" name="Content Placeholder 8"/>
+          <p:cNvSpPr>
+            <a:spLocks noGrp="1"/>
+          </p:cNvSpPr>
+          <p:nvPr>
+            <p:ph idx="1"/>
+          </p:nvPr>
+        </p:nvSpPr>
+        <p:spPr/>
+        <p:txBody>
+          <a:bodyPr/>
+          <a:lstStyle/>
+          <a:p>
+            <a:endParaRPr lang="en-US"/>
+          </a:p>
+        </p:txBody>
+      </p:sp>
+      <p:sp>
+        <p:nvSpPr>
+          <p:cNvPr id="4" name="Footer Placeholder 3"/>
+          <p:cNvSpPr>
+            <a:spLocks noGrp="1"/>
+          </p:cNvSpPr>
+          <p:nvPr>
+            <p:ph type="ftr" sz="quarter" idx="11"/>
+          </p:nvPr>
+        </p:nvSpPr>
+        <p:spPr/>
+        <p:txBody>
+          <a:bodyPr/>
+          <a:lstStyle/>
+          <a:p>
+            <a:r>
+              <a:rPr lang="sk-SK" smtClean="0"/>
+              <a:t>© 2015 EV3Lessons.com, Last edit 02/10/2017</a:t>
+            </a:r>
+            <a:endParaRPr lang="en-US" dirty="0"/>
+          </a:p>
+        </p:txBody>
+      </p:sp>
+      <p:sp>
+        <p:nvSpPr>
+          <p:cNvPr id="3" name="Slide Number Placeholder 2"/>
+          <p:cNvSpPr>
+            <a:spLocks noGrp="1"/>
+          </p:cNvSpPr>
+          <p:nvPr>
+            <p:ph type="sldNum" sz="quarter" idx="12"/>
+          </p:nvPr>
+        </p:nvSpPr>
+        <p:spPr/>
+        <p:txBody>
+          <a:bodyPr/>
+          <a:lstStyle/>
+          <a:p>
+            <a:fld id="{4382A7F7-08BF-4252-8141-63FB96055BBB}" type="slidenum">
+              <a:rPr lang="en-US" smtClean="0"/>
+              <a:pPr/>
+              <a:t>9</a:t>
+            </a:fld>
+            <a:endParaRPr lang="en-US"/>
+          </a:p>
+        </p:txBody>
+      </p:sp>
+      <p:sp>
+        <p:nvSpPr>
+          <p:cNvPr id="2" name="Title 1"/>
+          <p:cNvSpPr>
+            <a:spLocks noGrp="1"/>
+          </p:cNvSpPr>
+          <p:nvPr>
+            <p:ph type="title"/>
+          </p:nvPr>
+        </p:nvSpPr>
+        <p:spPr/>
+        <p:txBody>
+          <a:bodyPr/>
+          <a:lstStyle/>
+          <a:p>
+            <a:r>
+              <a:rPr lang="en-US" smtClean="0"/>
+              <a:t>Solution: Ultrasonic Dog Follower</a:t>
+            </a:r>
+            <a:endParaRPr lang="en-US" dirty="0"/>
+          </a:p>
+        </p:txBody>
+      </p:sp>
+      <p:pic>
+        <p:nvPicPr>
+          <p:cNvPr id="7" name="Picture 6" descr="Screen Shot 2014-10-18 at 2.43.03 PM.png"/>
+          <p:cNvPicPr>
+            <a:picLocks noChangeAspect="1"/>
+          </p:cNvPicPr>
+          <p:nvPr/>
+        </p:nvPicPr>
+        <p:blipFill>
+          <a:blip r:embed="rId2" cstate="email">
+            <a:extLst>
+              <a:ext uri="{28A0092B-C50C-407E-A947-70E740481C1C}">
+                <a14:useLocalDpi xmlns:a14="http://schemas.microsoft.com/office/drawing/2010/main" val="0"/>
+              </a:ext>
+            </a:extLst>
+          </a:blip>
+          <a:stretch>
+            <a:fillRect/>
+          </a:stretch>
+        </p:blipFill>
+        <p:spPr>
+          <a:xfrm>
+            <a:off x="853488" y="1921813"/>
+            <a:ext cx="6498403" cy="4515219"/>
+          </a:xfrm>
+          <a:prstGeom prst="rect">
+            <a:avLst/>
+          </a:prstGeom>
+        </p:spPr>
+      </p:pic>
+    </p:spTree>
+    <p:extLst>
+      <p:ext uri="{BB962C8B-B14F-4D97-AF65-F5344CB8AC3E}">
+        <p14:creationId xmlns:p14="http://schemas.microsoft.com/office/powerpoint/2010/main" val="407979337"/>
       </p:ext>
     </p:extLst>
   </p:cSld>
